--- a/img/bio/bios.pptx
+++ b/img/bio/bios.pptx
@@ -4,6 +4,9 @@
   <p:sldMasterIdLst>
     <p:sldMasterId id="2147483672" r:id="rId1"/>
   </p:sldMasterIdLst>
+  <p:notesMasterIdLst>
+    <p:notesMasterId r:id="rId6"/>
+  </p:notesMasterIdLst>
   <p:sldIdLst>
     <p:sldId id="257" r:id="rId2"/>
     <p:sldId id="258" r:id="rId3"/>
@@ -115,6 +118,439 @@
 </p:presentation>
 </file>
 
+<file path=ppt/notesMasters/notesMaster1.xml><?xml version="1.0" encoding="utf-8"?>
+<p:notesMaster xmlns:a="http://schemas.openxmlformats.org/drawingml/2006/main" xmlns:r="http://schemas.openxmlformats.org/officeDocument/2006/relationships" xmlns:p="http://schemas.openxmlformats.org/presentationml/2006/main">
+  <p:cSld>
+    <p:bg>
+      <p:bgRef idx="1001">
+        <a:schemeClr val="bg1"/>
+      </p:bgRef>
+    </p:bg>
+    <p:spTree>
+      <p:nvGrpSpPr>
+        <p:cNvPr id="1" name=""/>
+        <p:cNvGrpSpPr/>
+        <p:nvPr/>
+      </p:nvGrpSpPr>
+      <p:grpSpPr>
+        <a:xfrm>
+          <a:off x="0" y="0"/>
+          <a:ext cx="0" cy="0"/>
+          <a:chOff x="0" y="0"/>
+          <a:chExt cx="0" cy="0"/>
+        </a:xfrm>
+      </p:grpSpPr>
+      <p:sp>
+        <p:nvSpPr>
+          <p:cNvPr id="2" name="Header Placeholder 1"/>
+          <p:cNvSpPr>
+            <a:spLocks noGrp="1"/>
+          </p:cNvSpPr>
+          <p:nvPr>
+            <p:ph type="hdr" sz="quarter"/>
+          </p:nvPr>
+        </p:nvSpPr>
+        <p:spPr>
+          <a:xfrm>
+            <a:off x="0" y="0"/>
+            <a:ext cx="2971800" cy="458788"/>
+          </a:xfrm>
+          <a:prstGeom prst="rect">
+            <a:avLst/>
+          </a:prstGeom>
+        </p:spPr>
+        <p:txBody>
+          <a:bodyPr vert="horz" lIns="91440" tIns="45720" rIns="91440" bIns="45720" rtlCol="0"/>
+          <a:lstStyle>
+            <a:lvl1pPr algn="l">
+              <a:defRPr sz="1200"/>
+            </a:lvl1pPr>
+          </a:lstStyle>
+          <a:p>
+            <a:endParaRPr lang="en-US"/>
+          </a:p>
+        </p:txBody>
+      </p:sp>
+      <p:sp>
+        <p:nvSpPr>
+          <p:cNvPr id="3" name="Date Placeholder 2"/>
+          <p:cNvSpPr>
+            <a:spLocks noGrp="1"/>
+          </p:cNvSpPr>
+          <p:nvPr>
+            <p:ph type="dt" idx="1"/>
+          </p:nvPr>
+        </p:nvSpPr>
+        <p:spPr>
+          <a:xfrm>
+            <a:off x="3884613" y="0"/>
+            <a:ext cx="2971800" cy="458788"/>
+          </a:xfrm>
+          <a:prstGeom prst="rect">
+            <a:avLst/>
+          </a:prstGeom>
+        </p:spPr>
+        <p:txBody>
+          <a:bodyPr vert="horz" lIns="91440" tIns="45720" rIns="91440" bIns="45720" rtlCol="0"/>
+          <a:lstStyle>
+            <a:lvl1pPr algn="r">
+              <a:defRPr sz="1200"/>
+            </a:lvl1pPr>
+          </a:lstStyle>
+          <a:p>
+            <a:fld id="{CA2C56A4-4843-45C8-A8B6-FD2C8254E7EF}" type="datetimeFigureOut">
+              <a:rPr lang="en-US" smtClean="0"/>
+              <a:t>10/2/2018</a:t>
+            </a:fld>
+            <a:endParaRPr lang="en-US"/>
+          </a:p>
+        </p:txBody>
+      </p:sp>
+      <p:sp>
+        <p:nvSpPr>
+          <p:cNvPr id="4" name="Slide Image Placeholder 3"/>
+          <p:cNvSpPr>
+            <a:spLocks noGrp="1" noRot="1" noChangeAspect="1"/>
+          </p:cNvSpPr>
+          <p:nvPr>
+            <p:ph type="sldImg" idx="2"/>
+          </p:nvPr>
+        </p:nvSpPr>
+        <p:spPr>
+          <a:xfrm>
+            <a:off x="1125538" y="1143000"/>
+            <a:ext cx="4606925" cy="3086100"/>
+          </a:xfrm>
+          <a:prstGeom prst="rect">
+            <a:avLst/>
+          </a:prstGeom>
+          <a:noFill/>
+          <a:ln w="12700">
+            <a:solidFill>
+              <a:prstClr val="black"/>
+            </a:solidFill>
+          </a:ln>
+        </p:spPr>
+        <p:txBody>
+          <a:bodyPr vert="horz" lIns="91440" tIns="45720" rIns="91440" bIns="45720" rtlCol="0" anchor="ctr"/>
+          <a:lstStyle/>
+          <a:p>
+            <a:endParaRPr lang="en-US"/>
+          </a:p>
+        </p:txBody>
+      </p:sp>
+      <p:sp>
+        <p:nvSpPr>
+          <p:cNvPr id="5" name="Notes Placeholder 4"/>
+          <p:cNvSpPr>
+            <a:spLocks noGrp="1"/>
+          </p:cNvSpPr>
+          <p:nvPr>
+            <p:ph type="body" sz="quarter" idx="3"/>
+          </p:nvPr>
+        </p:nvSpPr>
+        <p:spPr>
+          <a:xfrm>
+            <a:off x="685800" y="4400550"/>
+            <a:ext cx="5486400" cy="3600450"/>
+          </a:xfrm>
+          <a:prstGeom prst="rect">
+            <a:avLst/>
+          </a:prstGeom>
+        </p:spPr>
+        <p:txBody>
+          <a:bodyPr vert="horz" lIns="91440" tIns="45720" rIns="91440" bIns="45720" rtlCol="0"/>
+          <a:lstStyle/>
+          <a:p>
+            <a:pPr lvl="0"/>
+            <a:r>
+              <a:rPr lang="en-US"/>
+              <a:t>Edit Master text styles</a:t>
+            </a:r>
+          </a:p>
+          <a:p>
+            <a:pPr lvl="1"/>
+            <a:r>
+              <a:rPr lang="en-US"/>
+              <a:t>Second level</a:t>
+            </a:r>
+          </a:p>
+          <a:p>
+            <a:pPr lvl="2"/>
+            <a:r>
+              <a:rPr lang="en-US"/>
+              <a:t>Third level</a:t>
+            </a:r>
+          </a:p>
+          <a:p>
+            <a:pPr lvl="3"/>
+            <a:r>
+              <a:rPr lang="en-US"/>
+              <a:t>Fourth level</a:t>
+            </a:r>
+          </a:p>
+          <a:p>
+            <a:pPr lvl="4"/>
+            <a:r>
+              <a:rPr lang="en-US"/>
+              <a:t>Fifth level</a:t>
+            </a:r>
+          </a:p>
+        </p:txBody>
+      </p:sp>
+      <p:sp>
+        <p:nvSpPr>
+          <p:cNvPr id="6" name="Footer Placeholder 5"/>
+          <p:cNvSpPr>
+            <a:spLocks noGrp="1"/>
+          </p:cNvSpPr>
+          <p:nvPr>
+            <p:ph type="ftr" sz="quarter" idx="4"/>
+          </p:nvPr>
+        </p:nvSpPr>
+        <p:spPr>
+          <a:xfrm>
+            <a:off x="0" y="8685213"/>
+            <a:ext cx="2971800" cy="458787"/>
+          </a:xfrm>
+          <a:prstGeom prst="rect">
+            <a:avLst/>
+          </a:prstGeom>
+        </p:spPr>
+        <p:txBody>
+          <a:bodyPr vert="horz" lIns="91440" tIns="45720" rIns="91440" bIns="45720" rtlCol="0" anchor="b"/>
+          <a:lstStyle>
+            <a:lvl1pPr algn="l">
+              <a:defRPr sz="1200"/>
+            </a:lvl1pPr>
+          </a:lstStyle>
+          <a:p>
+            <a:endParaRPr lang="en-US"/>
+          </a:p>
+        </p:txBody>
+      </p:sp>
+      <p:sp>
+        <p:nvSpPr>
+          <p:cNvPr id="7" name="Slide Number Placeholder 6"/>
+          <p:cNvSpPr>
+            <a:spLocks noGrp="1"/>
+          </p:cNvSpPr>
+          <p:nvPr>
+            <p:ph type="sldNum" sz="quarter" idx="5"/>
+          </p:nvPr>
+        </p:nvSpPr>
+        <p:spPr>
+          <a:xfrm>
+            <a:off x="3884613" y="8685213"/>
+            <a:ext cx="2971800" cy="458787"/>
+          </a:xfrm>
+          <a:prstGeom prst="rect">
+            <a:avLst/>
+          </a:prstGeom>
+        </p:spPr>
+        <p:txBody>
+          <a:bodyPr vert="horz" lIns="91440" tIns="45720" rIns="91440" bIns="45720" rtlCol="0" anchor="b"/>
+          <a:lstStyle>
+            <a:lvl1pPr algn="r">
+              <a:defRPr sz="1200"/>
+            </a:lvl1pPr>
+          </a:lstStyle>
+          <a:p>
+            <a:fld id="{D271BFF9-F9FA-4C70-B76C-05842629797C}" type="slidenum">
+              <a:rPr lang="en-US" smtClean="0"/>
+              <a:t>‹#›</a:t>
+            </a:fld>
+            <a:endParaRPr lang="en-US"/>
+          </a:p>
+        </p:txBody>
+      </p:sp>
+    </p:spTree>
+    <p:extLst>
+      <p:ext uri="{BB962C8B-B14F-4D97-AF65-F5344CB8AC3E}">
+        <p14:creationId xmlns:p14="http://schemas.microsoft.com/office/powerpoint/2010/main" val="3139283425"/>
+      </p:ext>
+    </p:extLst>
+  </p:cSld>
+  <p:clrMap bg1="lt1" tx1="dk1" bg2="lt2" tx2="dk2" accent1="accent1" accent2="accent2" accent3="accent3" accent4="accent4" accent5="accent5" accent6="accent6" hlink="hlink" folHlink="folHlink"/>
+  <p:notesStyle>
+    <a:lvl1pPr marL="0" algn="l" defTabSz="914400" rtl="0" eaLnBrk="1" latinLnBrk="0" hangingPunct="1">
+      <a:defRPr sz="1200" kern="1200">
+        <a:solidFill>
+          <a:schemeClr val="tx1"/>
+        </a:solidFill>
+        <a:latin typeface="+mn-lt"/>
+        <a:ea typeface="+mn-ea"/>
+        <a:cs typeface="+mn-cs"/>
+      </a:defRPr>
+    </a:lvl1pPr>
+    <a:lvl2pPr marL="457200" algn="l" defTabSz="914400" rtl="0" eaLnBrk="1" latinLnBrk="0" hangingPunct="1">
+      <a:defRPr sz="1200" kern="1200">
+        <a:solidFill>
+          <a:schemeClr val="tx1"/>
+        </a:solidFill>
+        <a:latin typeface="+mn-lt"/>
+        <a:ea typeface="+mn-ea"/>
+        <a:cs typeface="+mn-cs"/>
+      </a:defRPr>
+    </a:lvl2pPr>
+    <a:lvl3pPr marL="914400" algn="l" defTabSz="914400" rtl="0" eaLnBrk="1" latinLnBrk="0" hangingPunct="1">
+      <a:defRPr sz="1200" kern="1200">
+        <a:solidFill>
+          <a:schemeClr val="tx1"/>
+        </a:solidFill>
+        <a:latin typeface="+mn-lt"/>
+        <a:ea typeface="+mn-ea"/>
+        <a:cs typeface="+mn-cs"/>
+      </a:defRPr>
+    </a:lvl3pPr>
+    <a:lvl4pPr marL="1371600" algn="l" defTabSz="914400" rtl="0" eaLnBrk="1" latinLnBrk="0" hangingPunct="1">
+      <a:defRPr sz="1200" kern="1200">
+        <a:solidFill>
+          <a:schemeClr val="tx1"/>
+        </a:solidFill>
+        <a:latin typeface="+mn-lt"/>
+        <a:ea typeface="+mn-ea"/>
+        <a:cs typeface="+mn-cs"/>
+      </a:defRPr>
+    </a:lvl4pPr>
+    <a:lvl5pPr marL="1828800" algn="l" defTabSz="914400" rtl="0" eaLnBrk="1" latinLnBrk="0" hangingPunct="1">
+      <a:defRPr sz="1200" kern="1200">
+        <a:solidFill>
+          <a:schemeClr val="tx1"/>
+        </a:solidFill>
+        <a:latin typeface="+mn-lt"/>
+        <a:ea typeface="+mn-ea"/>
+        <a:cs typeface="+mn-cs"/>
+      </a:defRPr>
+    </a:lvl5pPr>
+    <a:lvl6pPr marL="2286000" algn="l" defTabSz="914400" rtl="0" eaLnBrk="1" latinLnBrk="0" hangingPunct="1">
+      <a:defRPr sz="1200" kern="1200">
+        <a:solidFill>
+          <a:schemeClr val="tx1"/>
+        </a:solidFill>
+        <a:latin typeface="+mn-lt"/>
+        <a:ea typeface="+mn-ea"/>
+        <a:cs typeface="+mn-cs"/>
+      </a:defRPr>
+    </a:lvl6pPr>
+    <a:lvl7pPr marL="2743200" algn="l" defTabSz="914400" rtl="0" eaLnBrk="1" latinLnBrk="0" hangingPunct="1">
+      <a:defRPr sz="1200" kern="1200">
+        <a:solidFill>
+          <a:schemeClr val="tx1"/>
+        </a:solidFill>
+        <a:latin typeface="+mn-lt"/>
+        <a:ea typeface="+mn-ea"/>
+        <a:cs typeface="+mn-cs"/>
+      </a:defRPr>
+    </a:lvl7pPr>
+    <a:lvl8pPr marL="3200400" algn="l" defTabSz="914400" rtl="0" eaLnBrk="1" latinLnBrk="0" hangingPunct="1">
+      <a:defRPr sz="1200" kern="1200">
+        <a:solidFill>
+          <a:schemeClr val="tx1"/>
+        </a:solidFill>
+        <a:latin typeface="+mn-lt"/>
+        <a:ea typeface="+mn-ea"/>
+        <a:cs typeface="+mn-cs"/>
+      </a:defRPr>
+    </a:lvl8pPr>
+    <a:lvl9pPr marL="3657600" algn="l" defTabSz="914400" rtl="0" eaLnBrk="1" latinLnBrk="0" hangingPunct="1">
+      <a:defRPr sz="1200" kern="1200">
+        <a:solidFill>
+          <a:schemeClr val="tx1"/>
+        </a:solidFill>
+        <a:latin typeface="+mn-lt"/>
+        <a:ea typeface="+mn-ea"/>
+        <a:cs typeface="+mn-cs"/>
+      </a:defRPr>
+    </a:lvl9pPr>
+  </p:notesStyle>
+</p:notesMaster>
+</file>
+
+<file path=ppt/notesSlides/notesSlide1.xml><?xml version="1.0" encoding="utf-8"?>
+<p:notes xmlns:a="http://schemas.openxmlformats.org/drawingml/2006/main" xmlns:r="http://schemas.openxmlformats.org/officeDocument/2006/relationships" xmlns:p="http://schemas.openxmlformats.org/presentationml/2006/main">
+  <p:cSld>
+    <p:spTree>
+      <p:nvGrpSpPr>
+        <p:cNvPr id="1" name=""/>
+        <p:cNvGrpSpPr/>
+        <p:nvPr/>
+      </p:nvGrpSpPr>
+      <p:grpSpPr>
+        <a:xfrm>
+          <a:off x="0" y="0"/>
+          <a:ext cx="0" cy="0"/>
+          <a:chOff x="0" y="0"/>
+          <a:chExt cx="0" cy="0"/>
+        </a:xfrm>
+      </p:grpSpPr>
+      <p:sp>
+        <p:nvSpPr>
+          <p:cNvPr id="2" name="Slide Image Placeholder 1"/>
+          <p:cNvSpPr>
+            <a:spLocks noGrp="1" noRot="1" noChangeAspect="1"/>
+          </p:cNvSpPr>
+          <p:nvPr>
+            <p:ph type="sldImg"/>
+          </p:nvPr>
+        </p:nvSpPr>
+        <p:spPr/>
+      </p:sp>
+      <p:sp>
+        <p:nvSpPr>
+          <p:cNvPr id="3" name="Notes Placeholder 2"/>
+          <p:cNvSpPr>
+            <a:spLocks noGrp="1"/>
+          </p:cNvSpPr>
+          <p:nvPr>
+            <p:ph type="body" idx="1"/>
+          </p:nvPr>
+        </p:nvSpPr>
+        <p:spPr/>
+        <p:txBody>
+          <a:bodyPr/>
+          <a:lstStyle/>
+          <a:p>
+            <a:endParaRPr lang="en-US" dirty="0"/>
+          </a:p>
+        </p:txBody>
+      </p:sp>
+      <p:sp>
+        <p:nvSpPr>
+          <p:cNvPr id="4" name="Slide Number Placeholder 3"/>
+          <p:cNvSpPr>
+            <a:spLocks noGrp="1"/>
+          </p:cNvSpPr>
+          <p:nvPr>
+            <p:ph type="sldNum" sz="quarter" idx="5"/>
+          </p:nvPr>
+        </p:nvSpPr>
+        <p:spPr/>
+        <p:txBody>
+          <a:bodyPr/>
+          <a:lstStyle/>
+          <a:p>
+            <a:fld id="{D271BFF9-F9FA-4C70-B76C-05842629797C}" type="slidenum">
+              <a:rPr lang="en-US" smtClean="0"/>
+              <a:t>1</a:t>
+            </a:fld>
+            <a:endParaRPr lang="en-US"/>
+          </a:p>
+        </p:txBody>
+      </p:sp>
+    </p:spTree>
+    <p:extLst>
+      <p:ext uri="{BB962C8B-B14F-4D97-AF65-F5344CB8AC3E}">
+        <p14:creationId xmlns:p14="http://schemas.microsoft.com/office/powerpoint/2010/main" val="1789283852"/>
+      </p:ext>
+    </p:extLst>
+  </p:cSld>
+  <p:clrMapOvr>
+    <a:masterClrMapping/>
+  </p:clrMapOvr>
+</p:notes>
+</file>
+
 <file path=ppt/slideLayouts/slideLayout1.xml><?xml version="1.0" encoding="utf-8"?>
 <p:sldLayout xmlns:a="http://schemas.openxmlformats.org/drawingml/2006/main" xmlns:r="http://schemas.openxmlformats.org/officeDocument/2006/relationships" xmlns:p="http://schemas.openxmlformats.org/presentationml/2006/main" type="title" preserve="1">
   <p:cSld name="Title Slide">
@@ -246,7 +682,7 @@
           <a:p>
             <a:fld id="{A67FFC68-8D0E-498A-B36F-6F1734127FE2}" type="datetimeFigureOut">
               <a:rPr lang="en-US" smtClean="0"/>
-              <a:t>9/30/2018</a:t>
+              <a:t>10/2/2018</a:t>
             </a:fld>
             <a:endParaRPr lang="en-US"/>
           </a:p>
@@ -416,7 +852,7 @@
           <a:p>
             <a:fld id="{A67FFC68-8D0E-498A-B36F-6F1734127FE2}" type="datetimeFigureOut">
               <a:rPr lang="en-US" smtClean="0"/>
-              <a:t>9/30/2018</a:t>
+              <a:t>10/2/2018</a:t>
             </a:fld>
             <a:endParaRPr lang="en-US"/>
           </a:p>
@@ -596,7 +1032,7 @@
           <a:p>
             <a:fld id="{A67FFC68-8D0E-498A-B36F-6F1734127FE2}" type="datetimeFigureOut">
               <a:rPr lang="en-US" smtClean="0"/>
-              <a:t>9/30/2018</a:t>
+              <a:t>10/2/2018</a:t>
             </a:fld>
             <a:endParaRPr lang="en-US"/>
           </a:p>
@@ -658,7 +1094,7 @@
 </file>
 
 <file path=ppt/slideLayouts/slideLayout2.xml><?xml version="1.0" encoding="utf-8"?>
-<p:sldLayout xmlns:a="http://schemas.openxmlformats.org/drawingml/2006/main" xmlns:r="http://schemas.openxmlformats.org/officeDocument/2006/relationships" xmlns:p="http://schemas.openxmlformats.org/presentationml/2006/main" type="obj" preserve="1">
+<p:sldLayout xmlns:a="http://schemas.openxmlformats.org/drawingml/2006/main" xmlns:r="http://schemas.openxmlformats.org/officeDocument/2006/relationships" xmlns:p="http://schemas.openxmlformats.org/presentationml/2006/main" preserve="1" userDrawn="1">
   <p:cSld name="Title and Content">
     <p:spTree>
       <p:nvGrpSpPr>
@@ -696,13 +1132,13 @@
               </a:ext>
             </a:extLst>
           </a:blip>
-          <a:srcRect t="19281" r="36134" b="15996"/>
+          <a:srcRect l="43688" t="19281" r="36134" b="15996"/>
           <a:stretch/>
         </p:blipFill>
         <p:spPr>
           <a:xfrm>
-            <a:off x="-1" y="0"/>
-            <a:ext cx="10240963" cy="6858000"/>
+            <a:off x="7005484" y="0"/>
+            <a:ext cx="3235478" cy="6858000"/>
           </a:xfrm>
           <a:prstGeom prst="rect">
             <a:avLst/>
@@ -711,10 +1147,10 @@
       </p:pic>
       <p:sp>
         <p:nvSpPr>
-          <p:cNvPr id="10" name="Rectangle 9">
+          <p:cNvPr id="11" name="Rectangle 10">
             <a:extLst>
               <a:ext uri="{FF2B5EF4-FFF2-40B4-BE49-F238E27FC236}">
-                <a16:creationId xmlns:a16="http://schemas.microsoft.com/office/drawing/2014/main" id="{7009FCAB-6155-4AE8-B574-74391D8C15F5}"/>
+                <a16:creationId xmlns:a16="http://schemas.microsoft.com/office/drawing/2014/main" id="{B6CB1B2F-4C73-4950-B9BD-5CF8D0080160}"/>
               </a:ext>
             </a:extLst>
           </p:cNvPr>
@@ -723,17 +1159,18 @@
         </p:nvSpPr>
         <p:spPr>
           <a:xfrm>
-            <a:off x="0" y="0"/>
-            <a:ext cx="7242630" cy="6858000"/>
+            <a:off x="1" y="0"/>
+            <a:ext cx="7005483" cy="1480457"/>
           </a:xfrm>
           <a:prstGeom prst="rect">
             <a:avLst/>
           </a:prstGeom>
           <a:solidFill>
-            <a:schemeClr val="bg1">
-              <a:alpha val="80000"/>
-            </a:schemeClr>
+            <a:schemeClr val="bg1"/>
           </a:solidFill>
+          <a:ln>
+            <a:noFill/>
+          </a:ln>
         </p:spPr>
         <p:style>
           <a:lnRef idx="2">
@@ -762,71 +1199,22 @@
       </p:sp>
       <p:sp>
         <p:nvSpPr>
-          <p:cNvPr id="11" name="Rectangle 10">
-            <a:extLst>
-              <a:ext uri="{FF2B5EF4-FFF2-40B4-BE49-F238E27FC236}">
-                <a16:creationId xmlns:a16="http://schemas.microsoft.com/office/drawing/2014/main" id="{B6CB1B2F-4C73-4950-B9BD-5CF8D0080160}"/>
-              </a:ext>
-            </a:extLst>
-          </p:cNvPr>
-          <p:cNvSpPr/>
-          <p:nvPr userDrawn="1"/>
-        </p:nvSpPr>
-        <p:spPr>
-          <a:xfrm>
-            <a:off x="1" y="0"/>
-            <a:ext cx="7242629" cy="1480457"/>
-          </a:xfrm>
-          <a:prstGeom prst="rect">
-            <a:avLst/>
-          </a:prstGeom>
+          <p:cNvPr id="2" name="Title 1"/>
+          <p:cNvSpPr>
+            <a:spLocks noGrp="1"/>
+          </p:cNvSpPr>
+          <p:nvPr>
+            <p:ph type="title"/>
+          </p:nvPr>
+        </p:nvSpPr>
+        <p:spPr>
+          <a:xfrm>
+            <a:off x="0" y="1"/>
+            <a:ext cx="7005483" cy="1330778"/>
+          </a:xfrm>
           <a:solidFill>
-            <a:schemeClr val="bg1"/>
+            <a:srgbClr val="243F90"/>
           </a:solidFill>
-          <a:ln>
-            <a:noFill/>
-          </a:ln>
-        </p:spPr>
-        <p:style>
-          <a:lnRef idx="2">
-            <a:schemeClr val="accent1">
-              <a:shade val="50000"/>
-            </a:schemeClr>
-          </a:lnRef>
-          <a:fillRef idx="1">
-            <a:schemeClr val="accent1"/>
-          </a:fillRef>
-          <a:effectRef idx="0">
-            <a:schemeClr val="accent1"/>
-          </a:effectRef>
-          <a:fontRef idx="minor">
-            <a:schemeClr val="lt1"/>
-          </a:fontRef>
-        </p:style>
-        <p:txBody>
-          <a:bodyPr rtlCol="0" anchor="ctr"/>
-          <a:lstStyle/>
-          <a:p>
-            <a:pPr algn="ctr"/>
-            <a:endParaRPr lang="en-US"/>
-          </a:p>
-        </p:txBody>
-      </p:sp>
-      <p:sp>
-        <p:nvSpPr>
-          <p:cNvPr id="2" name="Title 1"/>
-          <p:cNvSpPr>
-            <a:spLocks noGrp="1"/>
-          </p:cNvSpPr>
-          <p:nvPr>
-            <p:ph type="title"/>
-          </p:nvPr>
-        </p:nvSpPr>
-        <p:spPr>
-          <a:xfrm>
-            <a:off x="704066" y="231777"/>
-            <a:ext cx="5725763" cy="1325563"/>
-          </a:xfrm>
         </p:spPr>
         <p:txBody>
           <a:bodyPr/>
@@ -834,7 +1222,7 @@
             <a:lvl1pPr>
               <a:defRPr b="1">
                 <a:solidFill>
-                  <a:srgbClr val="243F90"/>
+                  <a:srgbClr val="FFCC33"/>
                 </a:solidFill>
               </a:defRPr>
             </a:lvl1pPr>
@@ -860,49 +1248,49 @@
         <p:spPr>
           <a:xfrm>
             <a:off x="704066" y="1825625"/>
-            <a:ext cx="5725763" cy="4351338"/>
-          </a:xfrm>
-        </p:spPr>
-        <p:txBody>
-          <a:bodyPr/>
+            <a:ext cx="5725763" cy="461665"/>
+          </a:xfrm>
+        </p:spPr>
+        <p:txBody>
+          <a:bodyPr>
+            <a:spAutoFit/>
+          </a:bodyPr>
           <a:lstStyle>
             <a:lvl1pPr>
-              <a:defRPr sz="2400"/>
+              <a:lnSpc>
+                <a:spcPct val="100000"/>
+              </a:lnSpc>
+              <a:defRPr sz="2400">
+                <a:latin typeface="Montserrat" panose="02000505000000020004" pitchFamily="2" charset="0"/>
+              </a:defRPr>
             </a:lvl1pPr>
+            <a:lvl2pPr marL="457200" indent="0">
+              <a:buNone/>
+              <a:defRPr>
+                <a:latin typeface="Montserrat" panose="02000505000000020004" pitchFamily="2" charset="0"/>
+              </a:defRPr>
+            </a:lvl2pPr>
+            <a:lvl3pPr>
+              <a:defRPr>
+                <a:latin typeface="Montserrat" panose="02000505000000020004" pitchFamily="2" charset="0"/>
+              </a:defRPr>
+            </a:lvl3pPr>
+            <a:lvl4pPr>
+              <a:defRPr>
+                <a:latin typeface="Montserrat" panose="02000505000000020004" pitchFamily="2" charset="0"/>
+              </a:defRPr>
+            </a:lvl4pPr>
+            <a:lvl5pPr>
+              <a:defRPr>
+                <a:latin typeface="Montserrat" panose="02000505000000020004" pitchFamily="2" charset="0"/>
+              </a:defRPr>
+            </a:lvl5pPr>
           </a:lstStyle>
           <a:p>
             <a:pPr lvl="0"/>
             <a:r>
               <a:rPr lang="en-US" dirty="0"/>
               <a:t>Edit Master text styles</a:t>
-            </a:r>
-          </a:p>
-          <a:p>
-            <a:pPr lvl="1"/>
-            <a:r>
-              <a:rPr lang="en-US" dirty="0"/>
-              <a:t>Second level</a:t>
-            </a:r>
-          </a:p>
-          <a:p>
-            <a:pPr lvl="2"/>
-            <a:r>
-              <a:rPr lang="en-US" dirty="0"/>
-              <a:t>Third level</a:t>
-            </a:r>
-          </a:p>
-          <a:p>
-            <a:pPr lvl="3"/>
-            <a:r>
-              <a:rPr lang="en-US" dirty="0"/>
-              <a:t>Fourth level</a:t>
-            </a:r>
-          </a:p>
-          <a:p>
-            <a:pPr lvl="4"/>
-            <a:r>
-              <a:rPr lang="en-US" dirty="0"/>
-              <a:t>Fifth level</a:t>
             </a:r>
           </a:p>
         </p:txBody>
@@ -1103,7 +1491,7 @@
           <a:p>
             <a:fld id="{A67FFC68-8D0E-498A-B36F-6F1734127FE2}" type="datetimeFigureOut">
               <a:rPr lang="en-US" smtClean="0"/>
-              <a:t>9/30/2018</a:t>
+              <a:t>10/2/2018</a:t>
             </a:fld>
             <a:endParaRPr lang="en-US"/>
           </a:p>
@@ -1335,7 +1723,7 @@
           <a:p>
             <a:fld id="{A67FFC68-8D0E-498A-B36F-6F1734127FE2}" type="datetimeFigureOut">
               <a:rPr lang="en-US" smtClean="0"/>
-              <a:t>9/30/2018</a:t>
+              <a:t>10/2/2018</a:t>
             </a:fld>
             <a:endParaRPr lang="en-US"/>
           </a:p>
@@ -1702,7 +2090,7 @@
           <a:p>
             <a:fld id="{A67FFC68-8D0E-498A-B36F-6F1734127FE2}" type="datetimeFigureOut">
               <a:rPr lang="en-US" smtClean="0"/>
-              <a:t>9/30/2018</a:t>
+              <a:t>10/2/2018</a:t>
             </a:fld>
             <a:endParaRPr lang="en-US"/>
           </a:p>
@@ -1820,7 +2208,7 @@
           <a:p>
             <a:fld id="{A67FFC68-8D0E-498A-B36F-6F1734127FE2}" type="datetimeFigureOut">
               <a:rPr lang="en-US" smtClean="0"/>
-              <a:t>9/30/2018</a:t>
+              <a:t>10/2/2018</a:t>
             </a:fld>
             <a:endParaRPr lang="en-US"/>
           </a:p>
@@ -1915,7 +2303,7 @@
           <a:p>
             <a:fld id="{A67FFC68-8D0E-498A-B36F-6F1734127FE2}" type="datetimeFigureOut">
               <a:rPr lang="en-US" smtClean="0"/>
-              <a:t>9/30/2018</a:t>
+              <a:t>10/2/2018</a:t>
             </a:fld>
             <a:endParaRPr lang="en-US"/>
           </a:p>
@@ -2192,7 +2580,7 @@
           <a:p>
             <a:fld id="{A67FFC68-8D0E-498A-B36F-6F1734127FE2}" type="datetimeFigureOut">
               <a:rPr lang="en-US" smtClean="0"/>
-              <a:t>9/30/2018</a:t>
+              <a:t>10/2/2018</a:t>
             </a:fld>
             <a:endParaRPr lang="en-US"/>
           </a:p>
@@ -2449,7 +2837,7 @@
           <a:p>
             <a:fld id="{A67FFC68-8D0E-498A-B36F-6F1734127FE2}" type="datetimeFigureOut">
               <a:rPr lang="en-US" smtClean="0"/>
-              <a:t>9/30/2018</a:t>
+              <a:t>10/2/2018</a:t>
             </a:fld>
             <a:endParaRPr lang="en-US"/>
           </a:p>
@@ -2662,7 +3050,7 @@
           <a:p>
             <a:fld id="{A67FFC68-8D0E-498A-B36F-6F1734127FE2}" type="datetimeFigureOut">
               <a:rPr lang="en-US" smtClean="0"/>
-              <a:t>9/30/2018</a:t>
+              <a:t>10/2/2018</a:t>
             </a:fld>
             <a:endParaRPr lang="en-US"/>
           </a:p>
@@ -3085,8 +3473,8 @@
         </p:nvSpPr>
         <p:spPr>
           <a:xfrm>
-            <a:off x="361166" y="158301"/>
-            <a:ext cx="5725763" cy="1325563"/>
+            <a:off x="0" y="0"/>
+            <a:ext cx="7010400" cy="1280160"/>
           </a:xfrm>
         </p:spPr>
         <p:txBody>
@@ -3126,92 +3514,137 @@
         </p:nvSpPr>
         <p:spPr>
           <a:xfrm>
-            <a:off x="214467" y="2214565"/>
-            <a:ext cx="6909812" cy="2900360"/>
+            <a:off x="503707" y="1648809"/>
+            <a:ext cx="6126480" cy="4114800"/>
           </a:xfrm>
           <a:noFill/>
           <a:effectLst/>
         </p:spPr>
         <p:txBody>
           <a:bodyPr>
-            <a:normAutofit lnSpcReduction="10000"/>
+            <a:noAutofit/>
           </a:bodyPr>
           <a:lstStyle/>
           <a:p>
-            <a:r>
-              <a:rPr lang="en-US" dirty="0"/>
-              <a:t>Jim brings a unique creative energy to presenting complex subjects in an approachable, easy-to-understand, and aesthetically pleasing way</a:t>
-            </a:r>
-          </a:p>
-          <a:p>
-            <a:r>
-              <a:rPr lang="en-US" dirty="0"/>
-              <a:t>Expert in interactive eLearning, video, gamification design, microlearning, and certification</a:t>
-            </a:r>
-          </a:p>
-          <a:p>
-            <a:r>
-              <a:rPr lang="en-US" dirty="0"/>
-              <a:t>Web design, Ecommerce, identity management, and programming</a:t>
-            </a:r>
-          </a:p>
-          <a:p>
-            <a:r>
-              <a:rPr lang="en-US" dirty="0"/>
+            <a:pPr>
+              <a:spcBef>
+                <a:spcPts val="600"/>
+              </a:spcBef>
+            </a:pPr>
+            <a:r>
+              <a:rPr lang="en-US" sz="2000" dirty="0"/>
+              <a:t>Leads courseware design and development</a:t>
+            </a:r>
+          </a:p>
+          <a:p>
+            <a:pPr marL="800100" lvl="1" indent="-342900">
+              <a:lnSpc>
+                <a:spcPct val="100000"/>
+              </a:lnSpc>
+              <a:spcBef>
+                <a:spcPts val="600"/>
+              </a:spcBef>
+              <a:buFont typeface="Arial" panose="020B0604020202020204" pitchFamily="34" charset="0"/>
+              <a:buChar char="•"/>
+            </a:pPr>
+            <a:r>
+              <a:rPr lang="en-US" sz="1600" dirty="0"/>
+              <a:t>Authoring with Articulate Storyline 360</a:t>
+            </a:r>
+          </a:p>
+          <a:p>
+            <a:pPr marL="800100" lvl="1" indent="-342900">
+              <a:lnSpc>
+                <a:spcPct val="100000"/>
+              </a:lnSpc>
+              <a:spcBef>
+                <a:spcPts val="600"/>
+              </a:spcBef>
+              <a:buFont typeface="Arial" panose="020B0604020202020204" pitchFamily="34" charset="0"/>
+              <a:buChar char="•"/>
+            </a:pPr>
+            <a:r>
+              <a:rPr lang="en-US" sz="1600" dirty="0"/>
+              <a:t>Video production with Camtasia and other tools including </a:t>
+            </a:r>
+            <a:r>
+              <a:rPr lang="en-US" sz="1600" dirty="0" err="1"/>
+              <a:t>VideoScribe</a:t>
+            </a:r>
+            <a:r>
+              <a:rPr lang="en-US" sz="1600" dirty="0"/>
+              <a:t> &amp; </a:t>
+            </a:r>
+            <a:r>
+              <a:rPr lang="en-US" sz="1600" dirty="0" err="1"/>
+              <a:t>Filmora</a:t>
+            </a:r>
+            <a:endParaRPr lang="en-US" sz="1600" dirty="0"/>
+          </a:p>
+          <a:p>
+            <a:pPr marL="800100" lvl="1" indent="-342900">
+              <a:lnSpc>
+                <a:spcPct val="100000"/>
+              </a:lnSpc>
+              <a:spcBef>
+                <a:spcPts val="600"/>
+              </a:spcBef>
+              <a:buFont typeface="Arial" panose="020B0604020202020204" pitchFamily="34" charset="0"/>
+              <a:buChar char="•"/>
+            </a:pPr>
+            <a:r>
+              <a:rPr lang="en-US" sz="1600" dirty="0"/>
+              <a:t>Audio and narration </a:t>
+            </a:r>
+          </a:p>
+          <a:p>
+            <a:pPr marL="800100" lvl="1" indent="-342900">
+              <a:lnSpc>
+                <a:spcPct val="100000"/>
+              </a:lnSpc>
+              <a:spcBef>
+                <a:spcPts val="600"/>
+              </a:spcBef>
+              <a:buFont typeface="Arial" panose="020B0604020202020204" pitchFamily="34" charset="0"/>
+              <a:buChar char="•"/>
+            </a:pPr>
+            <a:r>
+              <a:rPr lang="en-US" sz="1600" dirty="0"/>
+              <a:t>Photo and graphic art tools including Photoshop</a:t>
+            </a:r>
+          </a:p>
+          <a:p>
+            <a:pPr>
+              <a:spcBef>
+                <a:spcPts val="600"/>
+              </a:spcBef>
+            </a:pPr>
+            <a:r>
+              <a:rPr lang="en-US" sz="2000" dirty="0"/>
+              <a:t>Collaborates closely on infrastructure and hosting</a:t>
+            </a:r>
+          </a:p>
+          <a:p>
+            <a:pPr>
+              <a:spcBef>
+                <a:spcPts val="600"/>
+              </a:spcBef>
+            </a:pPr>
+            <a:r>
+              <a:rPr lang="en-US" sz="2000" dirty="0"/>
+              <a:t>Expertise in modern web programming, Ecommerce, and cloud/virtualization</a:t>
+            </a:r>
+          </a:p>
+          <a:p>
+            <a:pPr>
+              <a:spcBef>
+                <a:spcPts val="600"/>
+              </a:spcBef>
+            </a:pPr>
+            <a:r>
+              <a:rPr lang="en-US" sz="2000" dirty="0"/>
               <a:t>MBA</a:t>
             </a:r>
-          </a:p>
-        </p:txBody>
-      </p:sp>
-      <p:sp>
-        <p:nvSpPr>
-          <p:cNvPr id="18" name="Rectangle 17">
-            <a:extLst>
-              <a:ext uri="{FF2B5EF4-FFF2-40B4-BE49-F238E27FC236}">
-                <a16:creationId xmlns:a16="http://schemas.microsoft.com/office/drawing/2014/main" id="{041A5E5E-B901-4972-B7E1-A035629905E6}"/>
-              </a:ext>
-            </a:extLst>
-          </p:cNvPr>
-          <p:cNvSpPr/>
-          <p:nvPr/>
-        </p:nvSpPr>
-        <p:spPr>
-          <a:xfrm>
-            <a:off x="1" y="6029325"/>
-            <a:ext cx="7219950" cy="828675"/>
-          </a:xfrm>
-          <a:prstGeom prst="rect">
-            <a:avLst/>
-          </a:prstGeom>
-          <a:solidFill>
-            <a:schemeClr val="bg1"/>
-          </a:solidFill>
-          <a:ln>
-            <a:noFill/>
-          </a:ln>
-        </p:spPr>
-        <p:style>
-          <a:lnRef idx="2">
-            <a:schemeClr val="accent1">
-              <a:shade val="50000"/>
-            </a:schemeClr>
-          </a:lnRef>
-          <a:fillRef idx="1">
-            <a:schemeClr val="accent1"/>
-          </a:fillRef>
-          <a:effectRef idx="0">
-            <a:schemeClr val="accent1"/>
-          </a:effectRef>
-          <a:fontRef idx="minor">
-            <a:schemeClr val="lt1"/>
-          </a:fontRef>
-        </p:style>
-        <p:txBody>
-          <a:bodyPr rtlCol="0" anchor="ctr"/>
-          <a:lstStyle/>
-          <a:p>
-            <a:pPr algn="ctr"/>
-            <a:endParaRPr lang="en-US"/>
           </a:p>
         </p:txBody>
       </p:sp>
@@ -3230,7 +3663,7 @@
           <p:nvPr/>
         </p:nvPicPr>
         <p:blipFill>
-          <a:blip r:embed="rId2">
+          <a:blip r:embed="rId3">
             <a:extLst>
               <a:ext uri="{28A0092B-C50C-407E-A947-70E740481C1C}">
                 <a14:useLocalDpi xmlns:a14="http://schemas.microsoft.com/office/drawing/2010/main" val="0"/>
@@ -3243,7 +3676,7 @@
         </p:blipFill>
         <p:spPr>
           <a:xfrm>
-            <a:off x="4971730" y="6253196"/>
+            <a:off x="4853746" y="6253196"/>
             <a:ext cx="734787" cy="310562"/>
           </a:xfrm>
           <a:prstGeom prst="rect">
@@ -3266,7 +3699,7 @@
           <p:nvPr/>
         </p:nvPicPr>
         <p:blipFill rotWithShape="1">
-          <a:blip r:embed="rId3">
+          <a:blip r:embed="rId4">
             <a:extLst>
               <a:ext uri="{28A0092B-C50C-407E-A947-70E740481C1C}">
                 <a14:useLocalDpi xmlns:a14="http://schemas.microsoft.com/office/drawing/2010/main" val="0"/>
@@ -3292,42 +3725,6 @@
             <a:extLst>
               <a:ext uri="{FF2B5EF4-FFF2-40B4-BE49-F238E27FC236}">
                 <a16:creationId xmlns:a16="http://schemas.microsoft.com/office/drawing/2014/main" id="{39C55999-CEC9-469B-AF04-DBBFD4B8D644}"/>
-              </a:ext>
-            </a:extLst>
-          </p:cNvPr>
-          <p:cNvPicPr>
-            <a:picLocks noChangeAspect="1"/>
-          </p:cNvPicPr>
-          <p:nvPr/>
-        </p:nvPicPr>
-        <p:blipFill>
-          <a:blip r:embed="rId4">
-            <a:extLst>
-              <a:ext uri="{28A0092B-C50C-407E-A947-70E740481C1C}">
-                <a14:useLocalDpi xmlns:a14="http://schemas.microsoft.com/office/drawing/2010/main" val="0"/>
-              </a:ext>
-            </a:extLst>
-          </a:blip>
-          <a:stretch>
-            <a:fillRect/>
-          </a:stretch>
-        </p:blipFill>
-        <p:spPr>
-          <a:xfrm>
-            <a:off x="4198627" y="6165004"/>
-            <a:ext cx="528026" cy="528026"/>
-          </a:xfrm>
-          <a:prstGeom prst="rect">
-            <a:avLst/>
-          </a:prstGeom>
-        </p:spPr>
-      </p:pic>
-      <p:pic>
-        <p:nvPicPr>
-          <p:cNvPr id="14" name="Picture 13" descr="A close up of a logo&#10;&#10;Description generated with very high confidence">
-            <a:extLst>
-              <a:ext uri="{FF2B5EF4-FFF2-40B4-BE49-F238E27FC236}">
-                <a16:creationId xmlns:a16="http://schemas.microsoft.com/office/drawing/2014/main" id="{DFC55D2B-D2ED-42BC-A0FE-B51EDDFEC5C7}"/>
               </a:ext>
             </a:extLst>
           </p:cNvPr>
@@ -3350,7 +3747,43 @@
         </p:blipFill>
         <p:spPr>
           <a:xfrm>
-            <a:off x="873575" y="6135936"/>
+            <a:off x="4095391" y="6165004"/>
+            <a:ext cx="528026" cy="528026"/>
+          </a:xfrm>
+          <a:prstGeom prst="rect">
+            <a:avLst/>
+          </a:prstGeom>
+        </p:spPr>
+      </p:pic>
+      <p:pic>
+        <p:nvPicPr>
+          <p:cNvPr id="14" name="Picture 13" descr="A close up of a logo&#10;&#10;Description generated with very high confidence">
+            <a:extLst>
+              <a:ext uri="{FF2B5EF4-FFF2-40B4-BE49-F238E27FC236}">
+                <a16:creationId xmlns:a16="http://schemas.microsoft.com/office/drawing/2014/main" id="{DFC55D2B-D2ED-42BC-A0FE-B51EDDFEC5C7}"/>
+              </a:ext>
+            </a:extLst>
+          </p:cNvPr>
+          <p:cNvPicPr>
+            <a:picLocks noChangeAspect="1"/>
+          </p:cNvPicPr>
+          <p:nvPr/>
+        </p:nvPicPr>
+        <p:blipFill>
+          <a:blip r:embed="rId6">
+            <a:extLst>
+              <a:ext uri="{28A0092B-C50C-407E-A947-70E740481C1C}">
+                <a14:useLocalDpi xmlns:a14="http://schemas.microsoft.com/office/drawing/2010/main" val="0"/>
+              </a:ext>
+            </a:extLst>
+          </a:blip>
+          <a:stretch>
+            <a:fillRect/>
+          </a:stretch>
+        </p:blipFill>
+        <p:spPr>
+          <a:xfrm>
+            <a:off x="770339" y="6135936"/>
             <a:ext cx="847737" cy="640512"/>
           </a:xfrm>
           <a:prstGeom prst="rect">
@@ -3373,7 +3806,7 @@
           <p:nvPr/>
         </p:nvPicPr>
         <p:blipFill rotWithShape="1">
-          <a:blip r:embed="rId6">
+          <a:blip r:embed="rId7">
             <a:extLst>
               <a:ext uri="{28A0092B-C50C-407E-A947-70E740481C1C}">
                 <a14:useLocalDpi xmlns:a14="http://schemas.microsoft.com/office/drawing/2010/main" val="0"/>
@@ -3385,7 +3818,7 @@
         </p:blipFill>
         <p:spPr>
           <a:xfrm>
-            <a:off x="3109779" y="6242665"/>
+            <a:off x="3006543" y="6242665"/>
             <a:ext cx="947738" cy="409576"/>
           </a:xfrm>
           <a:prstGeom prst="rect">
@@ -3408,7 +3841,7 @@
           <p:nvPr/>
         </p:nvPicPr>
         <p:blipFill>
-          <a:blip r:embed="rId7">
+          <a:blip r:embed="rId8">
             <a:extLst>
               <a:ext uri="{28A0092B-C50C-407E-A947-70E740481C1C}">
                 <a14:useLocalDpi xmlns:a14="http://schemas.microsoft.com/office/drawing/2010/main" val="0"/>
@@ -3421,7 +3854,7 @@
         </p:blipFill>
         <p:spPr>
           <a:xfrm>
-            <a:off x="1827360" y="6208652"/>
+            <a:off x="1724124" y="6208652"/>
             <a:ext cx="1103209" cy="484378"/>
           </a:xfrm>
           <a:prstGeom prst="rect">
@@ -3444,7 +3877,7 @@
           <p:nvPr/>
         </p:nvPicPr>
         <p:blipFill rotWithShape="1">
-          <a:blip r:embed="rId8">
+          <a:blip r:embed="rId9">
             <a:extLst>
               <a:ext uri="{28A0092B-C50C-407E-A947-70E740481C1C}">
                 <a14:useLocalDpi xmlns:a14="http://schemas.microsoft.com/office/drawing/2010/main" val="0"/>
@@ -3456,7 +3889,7 @@
         </p:blipFill>
         <p:spPr>
           <a:xfrm>
-            <a:off x="5866431" y="6262721"/>
+            <a:off x="5689455" y="6262721"/>
             <a:ext cx="1126796" cy="303628"/>
           </a:xfrm>
           <a:prstGeom prst="rect">
@@ -3464,6 +3897,47 @@
           </a:prstGeom>
         </p:spPr>
       </p:pic>
+      <p:cxnSp>
+        <p:nvCxnSpPr>
+          <p:cNvPr id="11" name="Straight Connector 10">
+            <a:extLst>
+              <a:ext uri="{FF2B5EF4-FFF2-40B4-BE49-F238E27FC236}">
+                <a16:creationId xmlns:a16="http://schemas.microsoft.com/office/drawing/2014/main" id="{F5C55C37-3198-4ACA-ADE0-3BDBCFDE0A9F}"/>
+              </a:ext>
+            </a:extLst>
+          </p:cNvPr>
+          <p:cNvCxnSpPr/>
+          <p:nvPr/>
+        </p:nvCxnSpPr>
+        <p:spPr>
+          <a:xfrm>
+            <a:off x="704066" y="5915672"/>
+            <a:ext cx="5725763" cy="0"/>
+          </a:xfrm>
+          <a:prstGeom prst="line">
+            <a:avLst/>
+          </a:prstGeom>
+          <a:ln w="12700">
+            <a:solidFill>
+              <a:srgbClr val="FFCC33"/>
+            </a:solidFill>
+          </a:ln>
+        </p:spPr>
+        <p:style>
+          <a:lnRef idx="1">
+            <a:schemeClr val="accent1"/>
+          </a:lnRef>
+          <a:fillRef idx="0">
+            <a:schemeClr val="accent1"/>
+          </a:fillRef>
+          <a:effectRef idx="0">
+            <a:schemeClr val="accent1"/>
+          </a:effectRef>
+          <a:fontRef idx="minor">
+            <a:schemeClr val="tx1"/>
+          </a:fontRef>
+        </p:style>
+      </p:cxnSp>
     </p:spTree>
     <p:extLst>
       <p:ext uri="{BB962C8B-B14F-4D97-AF65-F5344CB8AC3E}">
@@ -3512,8 +3986,8 @@
         </p:nvSpPr>
         <p:spPr>
           <a:xfrm>
-            <a:off x="361166" y="158301"/>
-            <a:ext cx="5725763" cy="1325563"/>
+            <a:off x="0" y="0"/>
+            <a:ext cx="7016436" cy="1280160"/>
           </a:xfrm>
         </p:spPr>
         <p:txBody>
@@ -3553,98 +4027,75 @@
         </p:nvSpPr>
         <p:spPr>
           <a:xfrm>
-            <a:off x="214467" y="1952625"/>
-            <a:ext cx="6909812" cy="3782458"/>
+            <a:off x="503707" y="1650648"/>
+            <a:ext cx="6126480" cy="4114800"/>
           </a:xfrm>
           <a:noFill/>
           <a:effectLst/>
         </p:spPr>
         <p:txBody>
           <a:bodyPr>
-            <a:normAutofit lnSpcReduction="10000"/>
+            <a:noAutofit/>
           </a:bodyPr>
           <a:lstStyle/>
           <a:p>
             <a:r>
-              <a:rPr lang="en-US" dirty="0"/>
-              <a:t>Iris has a very strong instructional design and development background for eLearning and classroom instruction</a:t>
-            </a:r>
-          </a:p>
-          <a:p>
-            <a:r>
-              <a:rPr lang="en-US" dirty="0"/>
-              <a:t>Creates novel and engaging ways of presenting complex subjects to audiences at all levels</a:t>
-            </a:r>
-          </a:p>
-          <a:p>
-            <a:r>
-              <a:rPr lang="en-US" dirty="0"/>
-              <a:t>Ecommerce Website User-Interface Design</a:t>
-            </a:r>
-          </a:p>
-          <a:p>
-            <a:r>
-              <a:rPr lang="en-US" dirty="0"/>
-              <a:t>Deep technical background in web technologies,  cloud computing, and programming</a:t>
-            </a:r>
-          </a:p>
-          <a:p>
-            <a:r>
-              <a:rPr lang="en-US" dirty="0"/>
+              <a:rPr lang="en-US" sz="2000" dirty="0"/>
+              <a:t>Leads cloud infrastructure and hosting</a:t>
+            </a:r>
+          </a:p>
+          <a:p>
+            <a:pPr marL="800100" lvl="1" indent="-342900">
+              <a:buFont typeface="Arial" panose="020B0604020202020204" pitchFamily="34" charset="0"/>
+              <a:buChar char="•"/>
+            </a:pPr>
+            <a:r>
+              <a:rPr lang="en-US" sz="1600" dirty="0"/>
+              <a:t>AWS EC2 setup and administration</a:t>
+            </a:r>
+          </a:p>
+          <a:p>
+            <a:pPr marL="800100" lvl="1" indent="-342900">
+              <a:buFont typeface="Arial" panose="020B0604020202020204" pitchFamily="34" charset="0"/>
+              <a:buChar char="•"/>
+            </a:pPr>
+            <a:r>
+              <a:rPr lang="en-US" sz="1600" dirty="0"/>
+              <a:t>Container development and deployment</a:t>
+            </a:r>
+          </a:p>
+          <a:p>
+            <a:pPr marL="800100" lvl="1" indent="-342900">
+              <a:buFont typeface="Arial" panose="020B0604020202020204" pitchFamily="34" charset="0"/>
+              <a:buChar char="•"/>
+            </a:pPr>
+            <a:r>
+              <a:rPr lang="en-US" sz="1600" dirty="0"/>
+              <a:t>Learning Management System customization and administration</a:t>
+            </a:r>
+          </a:p>
+          <a:p>
+            <a:r>
+              <a:rPr lang="en-US" sz="2000" dirty="0"/>
+              <a:t>Collaborates closely on instructional design and courseware development</a:t>
+            </a:r>
+          </a:p>
+          <a:p>
+            <a:r>
+              <a:rPr lang="en-US" sz="2000" dirty="0"/>
+              <a:t>Expertise in user experience design, web programming, Ecommerce, and cloud/</a:t>
+            </a:r>
+            <a:r>
+              <a:rPr lang="en-US" sz="2000" dirty="0" err="1"/>
+              <a:t>virtulization</a:t>
+            </a:r>
+            <a:endParaRPr lang="en-US" sz="2000" dirty="0"/>
+          </a:p>
+          <a:p>
+            <a:r>
+              <a:rPr lang="en-US" sz="2000" dirty="0"/>
               <a:t>M.Ed. Instructional Technology, B. E. Electronic Engineering</a:t>
             </a:r>
-          </a:p>
-        </p:txBody>
-      </p:sp>
-      <p:sp>
-        <p:nvSpPr>
-          <p:cNvPr id="18" name="Rectangle 17">
-            <a:extLst>
-              <a:ext uri="{FF2B5EF4-FFF2-40B4-BE49-F238E27FC236}">
-                <a16:creationId xmlns:a16="http://schemas.microsoft.com/office/drawing/2014/main" id="{041A5E5E-B901-4972-B7E1-A035629905E6}"/>
-              </a:ext>
-            </a:extLst>
-          </p:cNvPr>
-          <p:cNvSpPr/>
-          <p:nvPr/>
-        </p:nvSpPr>
-        <p:spPr>
-          <a:xfrm>
-            <a:off x="1" y="6029325"/>
-            <a:ext cx="7219950" cy="828675"/>
-          </a:xfrm>
-          <a:prstGeom prst="rect">
-            <a:avLst/>
-          </a:prstGeom>
-          <a:solidFill>
-            <a:schemeClr val="bg1"/>
-          </a:solidFill>
-          <a:ln>
-            <a:noFill/>
-          </a:ln>
-        </p:spPr>
-        <p:style>
-          <a:lnRef idx="2">
-            <a:schemeClr val="accent1">
-              <a:shade val="50000"/>
-            </a:schemeClr>
-          </a:lnRef>
-          <a:fillRef idx="1">
-            <a:schemeClr val="accent1"/>
-          </a:fillRef>
-          <a:effectRef idx="0">
-            <a:schemeClr val="accent1"/>
-          </a:effectRef>
-          <a:fontRef idx="minor">
-            <a:schemeClr val="lt1"/>
-          </a:fontRef>
-        </p:style>
-        <p:txBody>
-          <a:bodyPr rtlCol="0" anchor="ctr"/>
-          <a:lstStyle/>
-          <a:p>
-            <a:pPr algn="ctr"/>
-            <a:endParaRPr lang="en-US"/>
           </a:p>
         </p:txBody>
       </p:sp>
@@ -3676,7 +4127,7 @@
         </p:blipFill>
         <p:spPr>
           <a:xfrm>
-            <a:off x="3712852" y="6165004"/>
+            <a:off x="3594868" y="6165004"/>
             <a:ext cx="528026" cy="528026"/>
           </a:xfrm>
           <a:prstGeom prst="rect">
@@ -3747,7 +4198,7 @@
         </p:blipFill>
         <p:spPr>
           <a:xfrm>
-            <a:off x="2624004" y="6242665"/>
+            <a:off x="2535516" y="6242665"/>
             <a:ext cx="947738" cy="409576"/>
           </a:xfrm>
           <a:prstGeom prst="rect">
@@ -3783,7 +4234,7 @@
         </p:blipFill>
         <p:spPr>
           <a:xfrm>
-            <a:off x="1341585" y="6208652"/>
+            <a:off x="1282593" y="6208652"/>
             <a:ext cx="1103209" cy="484378"/>
           </a:xfrm>
           <a:prstGeom prst="rect">
@@ -3818,7 +4269,7 @@
         </p:blipFill>
         <p:spPr>
           <a:xfrm>
-            <a:off x="5866431" y="6262721"/>
+            <a:off x="5622453" y="6262721"/>
             <a:ext cx="1126796" cy="303628"/>
           </a:xfrm>
           <a:prstGeom prst="rect">
@@ -3854,7 +4305,7 @@
         </p:blipFill>
         <p:spPr>
           <a:xfrm>
-            <a:off x="4401940" y="6241890"/>
+            <a:off x="4231702" y="6241890"/>
             <a:ext cx="1342232" cy="345289"/>
           </a:xfrm>
           <a:prstGeom prst="rect">
@@ -3862,6 +4313,47 @@
           </a:prstGeom>
         </p:spPr>
       </p:pic>
+      <p:cxnSp>
+        <p:nvCxnSpPr>
+          <p:cNvPr id="10" name="Straight Connector 9">
+            <a:extLst>
+              <a:ext uri="{FF2B5EF4-FFF2-40B4-BE49-F238E27FC236}">
+                <a16:creationId xmlns:a16="http://schemas.microsoft.com/office/drawing/2014/main" id="{8350F37B-B7A0-4F31-84E8-A78695B581A4}"/>
+              </a:ext>
+            </a:extLst>
+          </p:cNvPr>
+          <p:cNvCxnSpPr/>
+          <p:nvPr/>
+        </p:nvCxnSpPr>
+        <p:spPr>
+          <a:xfrm>
+            <a:off x="704066" y="5915672"/>
+            <a:ext cx="5725763" cy="0"/>
+          </a:xfrm>
+          <a:prstGeom prst="line">
+            <a:avLst/>
+          </a:prstGeom>
+          <a:ln w="12700">
+            <a:solidFill>
+              <a:srgbClr val="FFCC33"/>
+            </a:solidFill>
+          </a:ln>
+        </p:spPr>
+        <p:style>
+          <a:lnRef idx="1">
+            <a:schemeClr val="accent1"/>
+          </a:lnRef>
+          <a:fillRef idx="0">
+            <a:schemeClr val="accent1"/>
+          </a:fillRef>
+          <a:effectRef idx="0">
+            <a:schemeClr val="accent1"/>
+          </a:effectRef>
+          <a:fontRef idx="minor">
+            <a:schemeClr val="tx1"/>
+          </a:fontRef>
+        </p:style>
+      </p:cxnSp>
     </p:spTree>
     <p:extLst>
       <p:ext uri="{BB962C8B-B14F-4D97-AF65-F5344CB8AC3E}">
@@ -3910,8 +4402,8 @@
         </p:nvSpPr>
         <p:spPr>
           <a:xfrm>
-            <a:off x="361166" y="158301"/>
-            <a:ext cx="5725763" cy="1325563"/>
+            <a:off x="0" y="0"/>
+            <a:ext cx="7016436" cy="1280160"/>
           </a:xfrm>
         </p:spPr>
         <p:txBody>
@@ -3951,114 +4443,174 @@
         </p:nvSpPr>
         <p:spPr>
           <a:xfrm>
-            <a:off x="214467" y="1952625"/>
-            <a:ext cx="6909812" cy="3782458"/>
+            <a:off x="503707" y="1700654"/>
+            <a:ext cx="6126480" cy="4114800"/>
           </a:xfrm>
           <a:noFill/>
           <a:effectLst/>
         </p:spPr>
         <p:txBody>
           <a:bodyPr>
-            <a:normAutofit fontScale="92500" lnSpcReduction="10000"/>
+            <a:noAutofit/>
           </a:bodyPr>
           <a:lstStyle/>
           <a:p>
-            <a:r>
-              <a:rPr lang="en-US" dirty="0"/>
-              <a:t>A recent graduate in Software Engineering, Doug has an unusually deep breadth of experience with most modern programming and development environments</a:t>
-            </a:r>
-          </a:p>
-          <a:p>
-            <a:r>
-              <a:rPr lang="en-US" dirty="0"/>
-              <a:t>Development experience with Unity3D Game Engine, Go, C#/C++, Python, Bash, Java/</a:t>
-            </a:r>
-            <a:r>
-              <a:rPr lang="en-US" dirty="0" err="1"/>
+            <a:pPr>
+              <a:spcBef>
+                <a:spcPts val="600"/>
+              </a:spcBef>
+            </a:pPr>
+            <a:r>
+              <a:rPr lang="en-US" sz="2000" dirty="0"/>
+              <a:t>Deep experience with most modern programming and development environments</a:t>
+            </a:r>
+          </a:p>
+          <a:p>
+            <a:pPr marL="800100" lvl="1" indent="-342900">
+              <a:lnSpc>
+                <a:spcPct val="100000"/>
+              </a:lnSpc>
+              <a:spcBef>
+                <a:spcPts val="600"/>
+              </a:spcBef>
+              <a:buFont typeface="Arial" panose="020B0604020202020204" pitchFamily="34" charset="0"/>
+              <a:buChar char="•"/>
+            </a:pPr>
+            <a:r>
+              <a:rPr lang="en-US" sz="1600" dirty="0"/>
+              <a:t>Unity3D Game Engine, Go, C#/C++, Python, Bash, Java/</a:t>
+            </a:r>
+            <a:r>
+              <a:rPr lang="en-US" sz="1600" dirty="0" err="1"/>
               <a:t>Javascript</a:t>
             </a:r>
             <a:r>
-              <a:rPr lang="en-US" dirty="0"/>
-              <a:t>, Swift, and x86 assembly</a:t>
-            </a:r>
-          </a:p>
-          <a:p>
-            <a:r>
-              <a:rPr lang="en-US" dirty="0"/>
+              <a:rPr lang="en-US" sz="1600" dirty="0"/>
+              <a:t>, Swift, PHP, and x86 assembly</a:t>
+            </a:r>
+          </a:p>
+          <a:p>
+            <a:pPr>
+              <a:spcBef>
+                <a:spcPts val="600"/>
+              </a:spcBef>
+            </a:pPr>
+            <a:r>
+              <a:rPr lang="en-US" sz="2000" dirty="0"/>
               <a:t>Kernel-level Operating System development</a:t>
             </a:r>
           </a:p>
           <a:p>
-            <a:r>
-              <a:rPr lang="en-US" dirty="0"/>
-              <a:t>Deep technical background in web technologies,  cloud computing, and programming</a:t>
-            </a:r>
-          </a:p>
-          <a:p>
-            <a:r>
-              <a:rPr lang="en-US" dirty="0"/>
-              <a:t>B. S. Software Engineering, Cogswell </a:t>
-            </a:r>
-            <a:r>
-              <a:rPr lang="en-US"/>
-              <a:t>Polytechnical College</a:t>
-            </a:r>
-            <a:endParaRPr lang="en-US" dirty="0"/>
-          </a:p>
-        </p:txBody>
-      </p:sp>
-      <p:sp>
-        <p:nvSpPr>
-          <p:cNvPr id="18" name="Rectangle 17">
+            <a:pPr>
+              <a:spcBef>
+                <a:spcPts val="600"/>
+              </a:spcBef>
+            </a:pPr>
+            <a:r>
+              <a:rPr lang="en-US" sz="2000" dirty="0"/>
+              <a:t>Web development technologies, cloud computing, and programming</a:t>
+            </a:r>
+          </a:p>
+          <a:p>
+            <a:pPr>
+              <a:spcBef>
+                <a:spcPts val="600"/>
+              </a:spcBef>
+            </a:pPr>
+            <a:r>
+              <a:rPr lang="en-US" sz="2000" dirty="0"/>
+              <a:t>B. S. Software Engineering, Cogswell Polytechnical College</a:t>
+            </a:r>
+          </a:p>
+        </p:txBody>
+      </p:sp>
+      <p:cxnSp>
+        <p:nvCxnSpPr>
+          <p:cNvPr id="4" name="Straight Connector 3">
             <a:extLst>
               <a:ext uri="{FF2B5EF4-FFF2-40B4-BE49-F238E27FC236}">
-                <a16:creationId xmlns:a16="http://schemas.microsoft.com/office/drawing/2014/main" id="{041A5E5E-B901-4972-B7E1-A035629905E6}"/>
+                <a16:creationId xmlns:a16="http://schemas.microsoft.com/office/drawing/2014/main" id="{B7786B5C-DB8F-488B-896A-29766B1F4FF5}"/>
               </a:ext>
             </a:extLst>
           </p:cNvPr>
-          <p:cNvSpPr/>
+          <p:cNvCxnSpPr/>
           <p:nvPr/>
-        </p:nvSpPr>
-        <p:spPr>
-          <a:xfrm>
-            <a:off x="1" y="6029325"/>
-            <a:ext cx="7219950" cy="828675"/>
-          </a:xfrm>
-          <a:prstGeom prst="rect">
+        </p:nvCxnSpPr>
+        <p:spPr>
+          <a:xfrm>
+            <a:off x="704066" y="5915672"/>
+            <a:ext cx="5725763" cy="0"/>
+          </a:xfrm>
+          <a:prstGeom prst="line">
             <a:avLst/>
           </a:prstGeom>
-          <a:solidFill>
-            <a:schemeClr val="bg1"/>
-          </a:solidFill>
-          <a:ln>
-            <a:noFill/>
+          <a:ln w="12700">
+            <a:solidFill>
+              <a:srgbClr val="FFCC33"/>
+            </a:solidFill>
           </a:ln>
         </p:spPr>
         <p:style>
-          <a:lnRef idx="2">
-            <a:schemeClr val="accent1">
-              <a:shade val="50000"/>
-            </a:schemeClr>
+          <a:lnRef idx="1">
+            <a:schemeClr val="accent1"/>
           </a:lnRef>
-          <a:fillRef idx="1">
+          <a:fillRef idx="0">
             <a:schemeClr val="accent1"/>
           </a:fillRef>
           <a:effectRef idx="0">
             <a:schemeClr val="accent1"/>
           </a:effectRef>
           <a:fontRef idx="minor">
-            <a:schemeClr val="lt1"/>
+            <a:schemeClr val="tx1"/>
           </a:fontRef>
         </p:style>
-        <p:txBody>
-          <a:bodyPr rtlCol="0" anchor="ctr"/>
-          <a:lstStyle/>
-          <a:p>
-            <a:pPr algn="ctr"/>
-            <a:endParaRPr lang="en-US"/>
-          </a:p>
-        </p:txBody>
-      </p:sp>
+      </p:cxnSp>
+      <p:pic>
+        <p:nvPicPr>
+          <p:cNvPr id="5" name="Picture 4" descr="A close up of a logo&#10;&#10;Description generated with very high confidence">
+            <a:extLst>
+              <a:ext uri="{FF2B5EF4-FFF2-40B4-BE49-F238E27FC236}">
+                <a16:creationId xmlns:a16="http://schemas.microsoft.com/office/drawing/2014/main" id="{86FFA321-5485-495B-871D-A49AE4E85D45}"/>
+              </a:ext>
+            </a:extLst>
+          </p:cNvPr>
+          <p:cNvPicPr>
+            <a:picLocks noChangeAspect="1"/>
+          </p:cNvPicPr>
+          <p:nvPr/>
+        </p:nvPicPr>
+        <p:blipFill>
+          <a:blip r:embed="rId2">
+            <a:clrChange>
+              <a:clrFrom>
+                <a:srgbClr val="FFFFFF"/>
+              </a:clrFrom>
+              <a:clrTo>
+                <a:srgbClr val="FFFFFF">
+                  <a:alpha val="0"/>
+                </a:srgbClr>
+              </a:clrTo>
+            </a:clrChange>
+            <a:extLst>
+              <a:ext uri="{28A0092B-C50C-407E-A947-70E740481C1C}">
+                <a14:useLocalDpi xmlns:a14="http://schemas.microsoft.com/office/drawing/2010/main" val="0"/>
+              </a:ext>
+            </a:extLst>
+          </a:blip>
+          <a:stretch>
+            <a:fillRect/>
+          </a:stretch>
+        </p:blipFill>
+        <p:spPr>
+          <a:xfrm>
+            <a:off x="2028923" y="6112295"/>
+            <a:ext cx="2943844" cy="552327"/>
+          </a:xfrm>
+          <a:prstGeom prst="rect">
+            <a:avLst/>
+          </a:prstGeom>
+        </p:spPr>
+      </p:pic>
     </p:spTree>
     <p:extLst>
       <p:ext uri="{BB962C8B-B14F-4D97-AF65-F5344CB8AC3E}">
@@ -4107,13 +4659,13 @@
         </p:nvSpPr>
         <p:spPr>
           <a:xfrm>
-            <a:off x="361166" y="158301"/>
-            <a:ext cx="5725763" cy="1325563"/>
+            <a:off x="0" y="0"/>
+            <a:ext cx="7010400" cy="1280160"/>
           </a:xfrm>
         </p:spPr>
         <p:txBody>
           <a:bodyPr>
-            <a:normAutofit fontScale="90000"/>
+            <a:normAutofit/>
           </a:bodyPr>
           <a:lstStyle/>
           <a:p>
@@ -4150,8 +4702,8 @@
         </p:nvSpPr>
         <p:spPr>
           <a:xfrm>
-            <a:off x="214467" y="1952625"/>
-            <a:ext cx="6909812" cy="3782458"/>
+            <a:off x="441959" y="1647159"/>
+            <a:ext cx="6126480" cy="4114800"/>
           </a:xfrm>
           <a:noFill/>
           <a:effectLst/>
@@ -4162,77 +4714,137 @@
           </a:bodyPr>
           <a:lstStyle/>
           <a:p>
-            <a:r>
-              <a:rPr lang="en-US" dirty="0"/>
+            <a:pPr>
+              <a:spcBef>
+                <a:spcPts val="600"/>
+              </a:spcBef>
+            </a:pPr>
+            <a:r>
+              <a:rPr lang="en-US" sz="2000" dirty="0"/>
+              <a:t>Creates modern and engaging visual elements primarily for video components of our eLearning</a:t>
+            </a:r>
+          </a:p>
+          <a:p>
+            <a:pPr>
+              <a:spcBef>
+                <a:spcPts val="600"/>
+              </a:spcBef>
+            </a:pPr>
+            <a:r>
+              <a:rPr lang="en-US" sz="2000" dirty="0"/>
+              <a:t>Works in a wide variety of physical and digital media including Adobe Creative Cloud</a:t>
+            </a:r>
+          </a:p>
+          <a:p>
+            <a:pPr>
+              <a:spcBef>
+                <a:spcPts val="600"/>
+              </a:spcBef>
+            </a:pPr>
+            <a:r>
+              <a:rPr lang="en-US" sz="2000" dirty="0"/>
+              <a:t>Accomplished actress and singer</a:t>
+            </a:r>
+          </a:p>
+          <a:p>
+            <a:pPr>
+              <a:spcBef>
+                <a:spcPts val="600"/>
+              </a:spcBef>
+            </a:pPr>
+            <a:r>
+              <a:rPr lang="en-US" sz="2000" dirty="0"/>
               <a:t>Currently pursuing a Bachelor of Fine Art degree at Academy of Art University in San Francisco, CA</a:t>
             </a:r>
           </a:p>
-          <a:p>
-            <a:r>
-              <a:rPr lang="en-US" dirty="0"/>
-              <a:t>Julia creates modern and engaging visual elements primarily for video components of our eLearning</a:t>
-            </a:r>
-          </a:p>
-          <a:p>
-            <a:r>
-              <a:rPr lang="en-US" dirty="0"/>
-              <a:t>A talented visual artist, Julia works in a wide variety of media including Adobe Creative Cloud</a:t>
-            </a:r>
-          </a:p>
-        </p:txBody>
-      </p:sp>
-      <p:sp>
-        <p:nvSpPr>
-          <p:cNvPr id="18" name="Rectangle 17">
+        </p:txBody>
+      </p:sp>
+      <p:cxnSp>
+        <p:nvCxnSpPr>
+          <p:cNvPr id="4" name="Straight Connector 3">
             <a:extLst>
               <a:ext uri="{FF2B5EF4-FFF2-40B4-BE49-F238E27FC236}">
-                <a16:creationId xmlns:a16="http://schemas.microsoft.com/office/drawing/2014/main" id="{041A5E5E-B901-4972-B7E1-A035629905E6}"/>
+                <a16:creationId xmlns:a16="http://schemas.microsoft.com/office/drawing/2014/main" id="{6E86DF8E-AFCA-4A54-816D-BDC5D137AAA6}"/>
               </a:ext>
             </a:extLst>
           </p:cNvPr>
-          <p:cNvSpPr/>
+          <p:cNvCxnSpPr/>
           <p:nvPr/>
-        </p:nvSpPr>
-        <p:spPr>
-          <a:xfrm>
-            <a:off x="1" y="6029325"/>
-            <a:ext cx="7219950" cy="828675"/>
-          </a:xfrm>
-          <a:prstGeom prst="rect">
+        </p:nvCxnSpPr>
+        <p:spPr>
+          <a:xfrm>
+            <a:off x="704066" y="5915672"/>
+            <a:ext cx="5725763" cy="0"/>
+          </a:xfrm>
+          <a:prstGeom prst="line">
             <a:avLst/>
           </a:prstGeom>
-          <a:solidFill>
-            <a:schemeClr val="bg1"/>
-          </a:solidFill>
-          <a:ln>
-            <a:noFill/>
+          <a:ln w="12700">
+            <a:solidFill>
+              <a:srgbClr val="FFCC33"/>
+            </a:solidFill>
           </a:ln>
         </p:spPr>
         <p:style>
-          <a:lnRef idx="2">
-            <a:schemeClr val="accent1">
-              <a:shade val="50000"/>
-            </a:schemeClr>
+          <a:lnRef idx="1">
+            <a:schemeClr val="accent1"/>
           </a:lnRef>
-          <a:fillRef idx="1">
+          <a:fillRef idx="0">
             <a:schemeClr val="accent1"/>
           </a:fillRef>
           <a:effectRef idx="0">
             <a:schemeClr val="accent1"/>
           </a:effectRef>
           <a:fontRef idx="minor">
-            <a:schemeClr val="lt1"/>
+            <a:schemeClr val="tx1"/>
           </a:fontRef>
         </p:style>
-        <p:txBody>
-          <a:bodyPr rtlCol="0" anchor="ctr"/>
-          <a:lstStyle/>
-          <a:p>
-            <a:pPr algn="ctr"/>
-            <a:endParaRPr lang="en-US"/>
-          </a:p>
-        </p:txBody>
-      </p:sp>
+      </p:cxnSp>
+      <p:pic>
+        <p:nvPicPr>
+          <p:cNvPr id="8" name="Picture 7">
+            <a:extLst>
+              <a:ext uri="{FF2B5EF4-FFF2-40B4-BE49-F238E27FC236}">
+                <a16:creationId xmlns:a16="http://schemas.microsoft.com/office/drawing/2014/main" id="{DF053BC2-D883-4EA8-8583-61C17ACD11C8}"/>
+              </a:ext>
+            </a:extLst>
+          </p:cNvPr>
+          <p:cNvPicPr>
+            <a:picLocks noChangeAspect="1"/>
+          </p:cNvPicPr>
+          <p:nvPr/>
+        </p:nvPicPr>
+        <p:blipFill rotWithShape="1">
+          <a:blip r:embed="rId2">
+            <a:clrChange>
+              <a:clrFrom>
+                <a:srgbClr val="FFFFFF"/>
+              </a:clrFrom>
+              <a:clrTo>
+                <a:srgbClr val="FFFFFF">
+                  <a:alpha val="0"/>
+                </a:srgbClr>
+              </a:clrTo>
+            </a:clrChange>
+            <a:extLst>
+              <a:ext uri="{28A0092B-C50C-407E-A947-70E740481C1C}">
+                <a14:useLocalDpi xmlns:a14="http://schemas.microsoft.com/office/drawing/2010/main" val="0"/>
+              </a:ext>
+            </a:extLst>
+          </a:blip>
+          <a:srcRect t="28046" b="28398"/>
+          <a:stretch/>
+        </p:blipFill>
+        <p:spPr>
+          <a:xfrm>
+            <a:off x="1651608" y="6069386"/>
+            <a:ext cx="3707183" cy="553621"/>
+          </a:xfrm>
+          <a:prstGeom prst="rect">
+            <a:avLst/>
+          </a:prstGeom>
+        </p:spPr>
+      </p:pic>
     </p:spTree>
     <p:extLst>
       <p:ext uri="{BB962C8B-B14F-4D97-AF65-F5344CB8AC3E}">
@@ -4505,4 +5117,299 @@
     </a:ext>
   </a:extLst>
 </a:theme>
+</file>
+
+<file path=ppt/theme/theme2.xml><?xml version="1.0" encoding="utf-8"?>
+<a:theme xmlns:a="http://schemas.openxmlformats.org/drawingml/2006/main" name="Office Theme">
+  <a:themeElements>
+    <a:clrScheme name="Office">
+      <a:dk1>
+        <a:sysClr val="windowText" lastClr="000000"/>
+      </a:dk1>
+      <a:lt1>
+        <a:sysClr val="window" lastClr="FFFFFF"/>
+      </a:lt1>
+      <a:dk2>
+        <a:srgbClr val="44546A"/>
+      </a:dk2>
+      <a:lt2>
+        <a:srgbClr val="E7E6E6"/>
+      </a:lt2>
+      <a:accent1>
+        <a:srgbClr val="4472C4"/>
+      </a:accent1>
+      <a:accent2>
+        <a:srgbClr val="ED7D31"/>
+      </a:accent2>
+      <a:accent3>
+        <a:srgbClr val="A5A5A5"/>
+      </a:accent3>
+      <a:accent4>
+        <a:srgbClr val="FFC000"/>
+      </a:accent4>
+      <a:accent5>
+        <a:srgbClr val="5B9BD5"/>
+      </a:accent5>
+      <a:accent6>
+        <a:srgbClr val="70AD47"/>
+      </a:accent6>
+      <a:hlink>
+        <a:srgbClr val="0563C1"/>
+      </a:hlink>
+      <a:folHlink>
+        <a:srgbClr val="954F72"/>
+      </a:folHlink>
+    </a:clrScheme>
+    <a:fontScheme name="Office">
+      <a:majorFont>
+        <a:latin typeface="Calibri Light" panose="020F0302020204030204"/>
+        <a:ea typeface=""/>
+        <a:cs typeface=""/>
+        <a:font script="Jpan" typeface="游ゴシック Light"/>
+        <a:font script="Hang" typeface="맑은 고딕"/>
+        <a:font script="Hans" typeface="等线 Light"/>
+        <a:font script="Hant" typeface="新細明體"/>
+        <a:font script="Arab" typeface="Times New Roman"/>
+        <a:font script="Hebr" typeface="Times New Roman"/>
+        <a:font script="Thai" typeface="Angsana New"/>
+        <a:font script="Ethi" typeface="Nyala"/>
+        <a:font script="Beng" typeface="Vrinda"/>
+        <a:font script="Gujr" typeface="Shruti"/>
+        <a:font script="Khmr" typeface="MoolBoran"/>
+        <a:font script="Knda" typeface="Tunga"/>
+        <a:font script="Guru" typeface="Raavi"/>
+        <a:font script="Cans" typeface="Euphemia"/>
+        <a:font script="Cher" typeface="Plantagenet Cherokee"/>
+        <a:font script="Yiii" typeface="Microsoft Yi Baiti"/>
+        <a:font script="Tibt" typeface="Microsoft Himalaya"/>
+        <a:font script="Thaa" typeface="MV Boli"/>
+        <a:font script="Deva" typeface="Mangal"/>
+        <a:font script="Telu" typeface="Gautami"/>
+        <a:font script="Taml" typeface="Latha"/>
+        <a:font script="Syrc" typeface="Estrangelo Edessa"/>
+        <a:font script="Orya" typeface="Kalinga"/>
+        <a:font script="Mlym" typeface="Kartika"/>
+        <a:font script="Laoo" typeface="DokChampa"/>
+        <a:font script="Sinh" typeface="Iskoola Pota"/>
+        <a:font script="Mong" typeface="Mongolian Baiti"/>
+        <a:font script="Viet" typeface="Times New Roman"/>
+        <a:font script="Uigh" typeface="Microsoft Uighur"/>
+        <a:font script="Geor" typeface="Sylfaen"/>
+        <a:font script="Armn" typeface="Arial"/>
+        <a:font script="Bugi" typeface="Leelawadee UI"/>
+        <a:font script="Bopo" typeface="Microsoft JhengHei"/>
+        <a:font script="Java" typeface="Javanese Text"/>
+        <a:font script="Lisu" typeface="Segoe UI"/>
+        <a:font script="Mymr" typeface="Myanmar Text"/>
+        <a:font script="Nkoo" typeface="Ebrima"/>
+        <a:font script="Olck" typeface="Nirmala UI"/>
+        <a:font script="Osma" typeface="Ebrima"/>
+        <a:font script="Phag" typeface="Phagspa"/>
+        <a:font script="Syrn" typeface="Estrangelo Edessa"/>
+        <a:font script="Syrj" typeface="Estrangelo Edessa"/>
+        <a:font script="Syre" typeface="Estrangelo Edessa"/>
+        <a:font script="Sora" typeface="Nirmala UI"/>
+        <a:font script="Tale" typeface="Microsoft Tai Le"/>
+        <a:font script="Talu" typeface="Microsoft New Tai Lue"/>
+        <a:font script="Tfng" typeface="Ebrima"/>
+      </a:majorFont>
+      <a:minorFont>
+        <a:latin typeface="Calibri" panose="020F0502020204030204"/>
+        <a:ea typeface=""/>
+        <a:cs typeface=""/>
+        <a:font script="Jpan" typeface="游ゴシック"/>
+        <a:font script="Hang" typeface="맑은 고딕"/>
+        <a:font script="Hans" typeface="等线"/>
+        <a:font script="Hant" typeface="新細明體"/>
+        <a:font script="Arab" typeface="Arial"/>
+        <a:font script="Hebr" typeface="Arial"/>
+        <a:font script="Thai" typeface="Cordia New"/>
+        <a:font script="Ethi" typeface="Nyala"/>
+        <a:font script="Beng" typeface="Vrinda"/>
+        <a:font script="Gujr" typeface="Shruti"/>
+        <a:font script="Khmr" typeface="DaunPenh"/>
+        <a:font script="Knda" typeface="Tunga"/>
+        <a:font script="Guru" typeface="Raavi"/>
+        <a:font script="Cans" typeface="Euphemia"/>
+        <a:font script="Cher" typeface="Plantagenet Cherokee"/>
+        <a:font script="Yiii" typeface="Microsoft Yi Baiti"/>
+        <a:font script="Tibt" typeface="Microsoft Himalaya"/>
+        <a:font script="Thaa" typeface="MV Boli"/>
+        <a:font script="Deva" typeface="Mangal"/>
+        <a:font script="Telu" typeface="Gautami"/>
+        <a:font script="Taml" typeface="Latha"/>
+        <a:font script="Syrc" typeface="Estrangelo Edessa"/>
+        <a:font script="Orya" typeface="Kalinga"/>
+        <a:font script="Mlym" typeface="Kartika"/>
+        <a:font script="Laoo" typeface="DokChampa"/>
+        <a:font script="Sinh" typeface="Iskoola Pota"/>
+        <a:font script="Mong" typeface="Mongolian Baiti"/>
+        <a:font script="Viet" typeface="Arial"/>
+        <a:font script="Uigh" typeface="Microsoft Uighur"/>
+        <a:font script="Geor" typeface="Sylfaen"/>
+        <a:font script="Armn" typeface="Arial"/>
+        <a:font script="Bugi" typeface="Leelawadee UI"/>
+        <a:font script="Bopo" typeface="Microsoft JhengHei"/>
+        <a:font script="Java" typeface="Javanese Text"/>
+        <a:font script="Lisu" typeface="Segoe UI"/>
+        <a:font script="Mymr" typeface="Myanmar Text"/>
+        <a:font script="Nkoo" typeface="Ebrima"/>
+        <a:font script="Olck" typeface="Nirmala UI"/>
+        <a:font script="Osma" typeface="Ebrima"/>
+        <a:font script="Phag" typeface="Phagspa"/>
+        <a:font script="Syrn" typeface="Estrangelo Edessa"/>
+        <a:font script="Syrj" typeface="Estrangelo Edessa"/>
+        <a:font script="Syre" typeface="Estrangelo Edessa"/>
+        <a:font script="Sora" typeface="Nirmala UI"/>
+        <a:font script="Tale" typeface="Microsoft Tai Le"/>
+        <a:font script="Talu" typeface="Microsoft New Tai Lue"/>
+        <a:font script="Tfng" typeface="Ebrima"/>
+      </a:minorFont>
+    </a:fontScheme>
+    <a:fmtScheme name="Office">
+      <a:fillStyleLst>
+        <a:solidFill>
+          <a:schemeClr val="phClr"/>
+        </a:solidFill>
+        <a:gradFill rotWithShape="1">
+          <a:gsLst>
+            <a:gs pos="0">
+              <a:schemeClr val="phClr">
+                <a:lumMod val="110000"/>
+                <a:satMod val="105000"/>
+                <a:tint val="67000"/>
+              </a:schemeClr>
+            </a:gs>
+            <a:gs pos="50000">
+              <a:schemeClr val="phClr">
+                <a:lumMod val="105000"/>
+                <a:satMod val="103000"/>
+                <a:tint val="73000"/>
+              </a:schemeClr>
+            </a:gs>
+            <a:gs pos="100000">
+              <a:schemeClr val="phClr">
+                <a:lumMod val="105000"/>
+                <a:satMod val="109000"/>
+                <a:tint val="81000"/>
+              </a:schemeClr>
+            </a:gs>
+          </a:gsLst>
+          <a:lin ang="5400000" scaled="0"/>
+        </a:gradFill>
+        <a:gradFill rotWithShape="1">
+          <a:gsLst>
+            <a:gs pos="0">
+              <a:schemeClr val="phClr">
+                <a:satMod val="103000"/>
+                <a:lumMod val="102000"/>
+                <a:tint val="94000"/>
+              </a:schemeClr>
+            </a:gs>
+            <a:gs pos="50000">
+              <a:schemeClr val="phClr">
+                <a:satMod val="110000"/>
+                <a:lumMod val="100000"/>
+                <a:shade val="100000"/>
+              </a:schemeClr>
+            </a:gs>
+            <a:gs pos="100000">
+              <a:schemeClr val="phClr">
+                <a:lumMod val="99000"/>
+                <a:satMod val="120000"/>
+                <a:shade val="78000"/>
+              </a:schemeClr>
+            </a:gs>
+          </a:gsLst>
+          <a:lin ang="5400000" scaled="0"/>
+        </a:gradFill>
+      </a:fillStyleLst>
+      <a:lnStyleLst>
+        <a:ln w="6350" cap="flat" cmpd="sng" algn="ctr">
+          <a:solidFill>
+            <a:schemeClr val="phClr"/>
+          </a:solidFill>
+          <a:prstDash val="solid"/>
+          <a:miter lim="800000"/>
+        </a:ln>
+        <a:ln w="12700" cap="flat" cmpd="sng" algn="ctr">
+          <a:solidFill>
+            <a:schemeClr val="phClr"/>
+          </a:solidFill>
+          <a:prstDash val="solid"/>
+          <a:miter lim="800000"/>
+        </a:ln>
+        <a:ln w="19050" cap="flat" cmpd="sng" algn="ctr">
+          <a:solidFill>
+            <a:schemeClr val="phClr"/>
+          </a:solidFill>
+          <a:prstDash val="solid"/>
+          <a:miter lim="800000"/>
+        </a:ln>
+      </a:lnStyleLst>
+      <a:effectStyleLst>
+        <a:effectStyle>
+          <a:effectLst/>
+        </a:effectStyle>
+        <a:effectStyle>
+          <a:effectLst/>
+        </a:effectStyle>
+        <a:effectStyle>
+          <a:effectLst>
+            <a:outerShdw blurRad="57150" dist="19050" dir="5400000" algn="ctr" rotWithShape="0">
+              <a:srgbClr val="000000">
+                <a:alpha val="63000"/>
+              </a:srgbClr>
+            </a:outerShdw>
+          </a:effectLst>
+        </a:effectStyle>
+      </a:effectStyleLst>
+      <a:bgFillStyleLst>
+        <a:solidFill>
+          <a:schemeClr val="phClr"/>
+        </a:solidFill>
+        <a:solidFill>
+          <a:schemeClr val="phClr">
+            <a:tint val="95000"/>
+            <a:satMod val="170000"/>
+          </a:schemeClr>
+        </a:solidFill>
+        <a:gradFill rotWithShape="1">
+          <a:gsLst>
+            <a:gs pos="0">
+              <a:schemeClr val="phClr">
+                <a:tint val="93000"/>
+                <a:satMod val="150000"/>
+                <a:shade val="98000"/>
+                <a:lumMod val="102000"/>
+              </a:schemeClr>
+            </a:gs>
+            <a:gs pos="50000">
+              <a:schemeClr val="phClr">
+                <a:tint val="98000"/>
+                <a:satMod val="130000"/>
+                <a:shade val="90000"/>
+                <a:lumMod val="103000"/>
+              </a:schemeClr>
+            </a:gs>
+            <a:gs pos="100000">
+              <a:schemeClr val="phClr">
+                <a:shade val="63000"/>
+                <a:satMod val="120000"/>
+              </a:schemeClr>
+            </a:gs>
+          </a:gsLst>
+          <a:lin ang="5400000" scaled="0"/>
+        </a:gradFill>
+      </a:bgFillStyleLst>
+    </a:fmtScheme>
+  </a:themeElements>
+  <a:objectDefaults/>
+  <a:extraClrSchemeLst/>
+  <a:extLst>
+    <a:ext uri="{05A4C25C-085E-4340-85A3-A5531E510DB2}">
+      <thm15:themeFamily xmlns:thm15="http://schemas.microsoft.com/office/thememl/2012/main" name="Office Theme" id="{62F939B6-93AF-4DB8-9C6B-D6C7DFDC589F}" vid="{4A3C46E8-61CC-4603-A589-7422A47A8E4A}"/>
+    </a:ext>
+  </a:extLst>
+</a:theme>
 </file>